--- a/学委作业收集管理系统.pptx
+++ b/学委作业收集管理系统.pptx
@@ -9,28 +9,30 @@
     <p:sldId id="256" r:id="rId3"/>
     <p:sldId id="257" r:id="rId4"/>
     <p:sldId id="258" r:id="rId5"/>
-    <p:sldId id="261" r:id="rId6"/>
-    <p:sldId id="263" r:id="rId7"/>
-    <p:sldId id="264" r:id="rId8"/>
-    <p:sldId id="266" r:id="rId9"/>
-    <p:sldId id="260" r:id="rId10"/>
-    <p:sldId id="265" r:id="rId11"/>
-    <p:sldId id="267" r:id="rId12"/>
-    <p:sldId id="268" r:id="rId13"/>
+    <p:sldId id="269" r:id="rId6"/>
+    <p:sldId id="261" r:id="rId7"/>
+    <p:sldId id="263" r:id="rId8"/>
+    <p:sldId id="264" r:id="rId9"/>
+    <p:sldId id="266" r:id="rId10"/>
+    <p:sldId id="260" r:id="rId11"/>
+    <p:sldId id="265" r:id="rId12"/>
+    <p:sldId id="267" r:id="rId13"/>
+    <p:sldId id="268" r:id="rId14"/>
+    <p:sldId id="270" r:id="rId15"/>
   </p:sldIdLst>
   <p:sldSz cx="12192000" cy="6858000"/>
   <p:notesSz cx="6858000" cy="9144000"/>
   <p:embeddedFontLst>
     <p:embeddedFont>
-      <p:font typeface="OPPO Sans" panose="00020600040101010101" pitchFamily="18" charset="-122"/>
-      <p:regular r:id="rId14"/>
+      <p:font typeface="Consolas" panose="020B0609020204030204" pitchFamily="49" charset="0"/>
+      <p:regular r:id="rId16"/>
+      <p:bold r:id="rId17"/>
+      <p:italic r:id="rId18"/>
+      <p:boldItalic r:id="rId19"/>
     </p:embeddedFont>
     <p:embeddedFont>
-      <p:font typeface="Consolas" panose="020B0609020204030204" pitchFamily="49" charset="0"/>
-      <p:regular r:id="rId15"/>
-      <p:bold r:id="rId16"/>
-      <p:italic r:id="rId17"/>
-      <p:boldItalic r:id="rId18"/>
+      <p:font typeface="OPPO Sans" panose="00020600040101010101" pitchFamily="18" charset="-122"/>
+      <p:regular r:id="rId20"/>
     </p:embeddedFont>
   </p:embeddedFontLst>
   <p:defaultTextStyle>
@@ -4995,7 +4997,7 @@
         </p:nvSpPr>
         <p:spPr/>
         <p:txBody>
-          <a:bodyPr/>
+          <a:bodyPr anchor="ctr"/>
           <a:lstStyle/>
           <a:p>
             <a:pPr lvl="0"/>
@@ -7438,549 +7440,72 @@
       </p:grpSpPr>
       <p:sp>
         <p:nvSpPr>
-          <p:cNvPr id="2" name="标题 1">
-            <a:extLst>
-              <a:ext uri="{FF2B5EF4-FFF2-40B4-BE49-F238E27FC236}">
-                <a16:creationId xmlns:a16="http://schemas.microsoft.com/office/drawing/2014/main" id="{6F4D82A6-9F67-7540-E02F-7AE4F327C413}"/>
-              </a:ext>
-            </a:extLst>
-          </p:cNvPr>
-          <p:cNvSpPr>
-            <a:spLocks noGrp="1"/>
-          </p:cNvSpPr>
-          <p:nvPr>
-            <p:ph type="title"/>
-          </p:nvPr>
-        </p:nvSpPr>
-        <p:spPr/>
-        <p:txBody>
-          <a:bodyPr/>
-          <a:lstStyle/>
-          <a:p>
+          <p:cNvPr id="2" name="内容占位符 1">
+            <a:extLst>
+              <a:ext uri="{FF2B5EF4-FFF2-40B4-BE49-F238E27FC236}">
+                <a16:creationId xmlns:a16="http://schemas.microsoft.com/office/drawing/2014/main" id="{7B65B29F-679B-25B5-205D-31A7BF4C0ADB}"/>
+              </a:ext>
+            </a:extLst>
+          </p:cNvPr>
+          <p:cNvSpPr>
+            <a:spLocks noGrp="1"/>
+          </p:cNvSpPr>
+          <p:nvPr>
+            <p:ph idx="1"/>
+          </p:nvPr>
+        </p:nvSpPr>
+        <p:spPr/>
+        <p:txBody>
+          <a:bodyPr/>
+          <a:lstStyle/>
+          <a:p>
+            <a:pPr marL="0" indent="0">
+              <a:buNone/>
+            </a:pPr>
             <a:r>
               <a:rPr lang="en-US" altLang="zh-CN" dirty="0"/>
-              <a:t>check_tools.py</a:t>
-            </a:r>
-            <a:endParaRPr lang="zh-CN" altLang="en-US" dirty="0"/>
-          </a:p>
-        </p:txBody>
-      </p:sp>
-      <p:sp>
-        <p:nvSpPr>
-          <p:cNvPr id="3" name="内容占位符 2">
-            <a:extLst>
-              <a:ext uri="{FF2B5EF4-FFF2-40B4-BE49-F238E27FC236}">
-                <a16:creationId xmlns:a16="http://schemas.microsoft.com/office/drawing/2014/main" id="{FC26F1E0-239C-A5B8-64A8-A7C0234D4248}"/>
-              </a:ext>
-            </a:extLst>
-          </p:cNvPr>
-          <p:cNvSpPr>
-            <a:spLocks noGrp="1"/>
-          </p:cNvSpPr>
-          <p:nvPr>
-            <p:ph idx="1"/>
-          </p:nvPr>
-        </p:nvSpPr>
-        <p:spPr/>
-        <p:txBody>
-          <a:bodyPr anchor="ctr"/>
-          <a:lstStyle/>
+              <a:t>app.py </a:t>
+            </a:r>
+            <a:r>
+              <a:rPr lang="zh-CN" altLang="en-US" dirty="0"/>
+              <a:t>程序入口</a:t>
+            </a:r>
+            <a:endParaRPr lang="en-US" altLang="zh-CN" dirty="0"/>
+          </a:p>
           <a:p>
             <a:pPr marL="0" indent="0">
               <a:buNone/>
             </a:pPr>
             <a:r>
-              <a:rPr lang="en-US" altLang="zh-CN" b="0" noProof="1">
-                <a:solidFill>
-                  <a:srgbClr val="DCDCAA"/>
-                </a:solidFill>
-                <a:effectLst/>
-                <a:latin typeface="Consolas" panose="020B0609020204030204" pitchFamily="49" charset="0"/>
-              </a:rPr>
-              <a:t>get_all_files</a:t>
-            </a:r>
-            <a:r>
-              <a:rPr lang="en-US" altLang="zh-CN" b="0" noProof="1">
-                <a:solidFill>
-                  <a:srgbClr val="CCCCCC"/>
-                </a:solidFill>
-                <a:effectLst/>
-                <a:latin typeface="Consolas" panose="020B0609020204030204" pitchFamily="49" charset="0"/>
-              </a:rPr>
-              <a:t>(</a:t>
-            </a:r>
-            <a:r>
-              <a:rPr lang="en-US" altLang="zh-CN" b="0" noProof="1">
-                <a:solidFill>
-                  <a:srgbClr val="9CDCFE"/>
-                </a:solidFill>
-                <a:effectLst/>
-                <a:latin typeface="Consolas" panose="020B0609020204030204" pitchFamily="49" charset="0"/>
-              </a:rPr>
-              <a:t>self</a:t>
-            </a:r>
-            <a:r>
-              <a:rPr lang="en-US" altLang="zh-CN" b="0" noProof="1">
-                <a:solidFill>
-                  <a:srgbClr val="CCCCCC"/>
-                </a:solidFill>
-                <a:effectLst/>
-                <a:latin typeface="Consolas" panose="020B0609020204030204" pitchFamily="49" charset="0"/>
-              </a:rPr>
-              <a:t>,</a:t>
-            </a:r>
-            <a:r>
-              <a:rPr lang="en-US" altLang="zh-CN" b="0" noProof="1">
-                <a:solidFill>
-                  <a:srgbClr val="9CDCFE"/>
-                </a:solidFill>
-                <a:effectLst/>
-                <a:latin typeface="Consolas" panose="020B0609020204030204" pitchFamily="49" charset="0"/>
-              </a:rPr>
-              <a:t>abs_path</a:t>
-            </a:r>
-            <a:r>
-              <a:rPr lang="en-US" altLang="zh-CN" b="0" noProof="1">
-                <a:solidFill>
-                  <a:srgbClr val="CCCCCC"/>
-                </a:solidFill>
-                <a:effectLst/>
-                <a:latin typeface="Consolas" panose="020B0609020204030204" pitchFamily="49" charset="0"/>
-              </a:rPr>
-              <a:t>)</a:t>
-            </a:r>
+              <a:rPr lang="en-US" altLang="zh-CN" dirty="0"/>
+              <a:t>check_tools.py </a:t>
+            </a:r>
+            <a:r>
+              <a:rPr lang="zh-CN" altLang="en-US" dirty="0"/>
+              <a:t>工具类</a:t>
+            </a:r>
+            <a:endParaRPr lang="en-US" altLang="zh-CN" dirty="0"/>
           </a:p>
           <a:p>
             <a:pPr marL="0" indent="0">
               <a:buNone/>
             </a:pPr>
             <a:r>
-              <a:rPr lang="en-US" altLang="zh-CN" b="0" noProof="1">
-                <a:solidFill>
-                  <a:srgbClr val="DCDCAA"/>
-                </a:solidFill>
-                <a:effectLst/>
-                <a:latin typeface="Consolas" panose="020B0609020204030204" pitchFamily="49" charset="0"/>
-              </a:rPr>
-              <a:t>get_m_tuple</a:t>
-            </a:r>
-            <a:r>
-              <a:rPr lang="en-US" altLang="zh-CN" b="0" noProof="1">
-                <a:solidFill>
-                  <a:srgbClr val="CCCCCC"/>
-                </a:solidFill>
-                <a:effectLst/>
-                <a:latin typeface="Consolas" panose="020B0609020204030204" pitchFamily="49" charset="0"/>
-              </a:rPr>
-              <a:t>(</a:t>
-            </a:r>
-            <a:r>
-              <a:rPr lang="en-US" altLang="zh-CN" b="0" noProof="1">
-                <a:solidFill>
-                  <a:srgbClr val="9CDCFE"/>
-                </a:solidFill>
-                <a:effectLst/>
-                <a:latin typeface="Consolas" panose="020B0609020204030204" pitchFamily="49" charset="0"/>
-              </a:rPr>
-              <a:t>self</a:t>
-            </a:r>
-            <a:r>
-              <a:rPr lang="en-US" altLang="zh-CN" b="0" noProof="1">
-                <a:solidFill>
-                  <a:srgbClr val="CCCCCC"/>
-                </a:solidFill>
-                <a:effectLst/>
-                <a:latin typeface="Consolas" panose="020B0609020204030204" pitchFamily="49" charset="0"/>
-              </a:rPr>
-              <a:t>,</a:t>
-            </a:r>
-            <a:r>
-              <a:rPr lang="en-US" altLang="zh-CN" b="0" noProof="1">
-                <a:solidFill>
-                  <a:srgbClr val="9CDCFE"/>
-                </a:solidFill>
-                <a:effectLst/>
-                <a:latin typeface="Consolas" panose="020B0609020204030204" pitchFamily="49" charset="0"/>
-              </a:rPr>
-              <a:t>done_set</a:t>
-            </a:r>
-            <a:r>
-              <a:rPr lang="en-US" altLang="zh-CN" b="0" noProof="1">
-                <a:solidFill>
-                  <a:srgbClr val="CCCCCC"/>
-                </a:solidFill>
-                <a:effectLst/>
-                <a:latin typeface="Consolas" panose="020B0609020204030204" pitchFamily="49" charset="0"/>
-              </a:rPr>
-              <a:t>)</a:t>
-            </a:r>
-          </a:p>
-          <a:p>
-            <a:pPr marL="0" indent="0">
-              <a:buNone/>
-            </a:pPr>
-            <a:r>
-              <a:rPr lang="en-US" altLang="zh-CN" b="0" noProof="1">
-                <a:solidFill>
-                  <a:srgbClr val="DCDCAA"/>
-                </a:solidFill>
-                <a:effectLst/>
-                <a:latin typeface="Consolas" panose="020B0609020204030204" pitchFamily="49" charset="0"/>
-              </a:rPr>
-              <a:t>generate_files_list</a:t>
-            </a:r>
-            <a:r>
-              <a:rPr lang="en-US" altLang="zh-CN" b="0" noProof="1">
-                <a:solidFill>
-                  <a:srgbClr val="CCCCCC"/>
-                </a:solidFill>
-                <a:effectLst/>
-                <a:latin typeface="Consolas" panose="020B0609020204030204" pitchFamily="49" charset="0"/>
-              </a:rPr>
-              <a:t>(</a:t>
-            </a:r>
-            <a:r>
-              <a:rPr lang="en-US" altLang="zh-CN" b="0" noProof="1">
-                <a:solidFill>
-                  <a:srgbClr val="9CDCFE"/>
-                </a:solidFill>
-                <a:effectLst/>
-                <a:latin typeface="Consolas" panose="020B0609020204030204" pitchFamily="49" charset="0"/>
-              </a:rPr>
-              <a:t>self</a:t>
-            </a:r>
-            <a:r>
-              <a:rPr lang="en-US" altLang="zh-CN" b="0" noProof="1">
-                <a:solidFill>
-                  <a:srgbClr val="CCCCCC"/>
-                </a:solidFill>
-                <a:effectLst/>
-                <a:latin typeface="Consolas" panose="020B0609020204030204" pitchFamily="49" charset="0"/>
-              </a:rPr>
-              <a:t>, </a:t>
-            </a:r>
-            <a:r>
-              <a:rPr lang="en-US" altLang="zh-CN" b="0" noProof="1">
-                <a:solidFill>
-                  <a:srgbClr val="9CDCFE"/>
-                </a:solidFill>
-                <a:effectLst/>
-                <a:latin typeface="Consolas" panose="020B0609020204030204" pitchFamily="49" charset="0"/>
-              </a:rPr>
-              <a:t>s_dict</a:t>
-            </a:r>
-            <a:r>
-              <a:rPr lang="en-US" altLang="zh-CN" b="0" noProof="1">
-                <a:solidFill>
-                  <a:srgbClr val="CCCCCC"/>
-                </a:solidFill>
-                <a:effectLst/>
-                <a:latin typeface="Consolas" panose="020B0609020204030204" pitchFamily="49" charset="0"/>
-              </a:rPr>
-              <a:t>, </a:t>
-            </a:r>
-            <a:r>
-              <a:rPr lang="en-US" altLang="zh-CN" b="0" noProof="1">
-                <a:solidFill>
-                  <a:srgbClr val="9CDCFE"/>
-                </a:solidFill>
-                <a:effectLst/>
-                <a:latin typeface="Consolas" panose="020B0609020204030204" pitchFamily="49" charset="0"/>
-              </a:rPr>
-              <a:t>config</a:t>
-            </a:r>
-            <a:r>
-              <a:rPr lang="en-US" altLang="zh-CN" b="0" noProof="1">
-                <a:solidFill>
-                  <a:srgbClr val="CCCCCC"/>
-                </a:solidFill>
-                <a:effectLst/>
-                <a:latin typeface="Consolas" panose="020B0609020204030204" pitchFamily="49" charset="0"/>
-              </a:rPr>
-              <a:t>)</a:t>
-            </a:r>
-          </a:p>
-          <a:p>
-            <a:pPr marL="0" indent="0">
-              <a:buNone/>
-            </a:pPr>
-            <a:r>
-              <a:rPr lang="en-US" altLang="zh-CN" b="0" noProof="1">
-                <a:solidFill>
-                  <a:srgbClr val="DCDCAA"/>
-                </a:solidFill>
-                <a:effectLst/>
-                <a:latin typeface="Consolas" panose="020B0609020204030204" pitchFamily="49" charset="0"/>
-              </a:rPr>
-              <a:t>check_files</a:t>
-            </a:r>
-            <a:r>
-              <a:rPr lang="en-US" altLang="zh-CN" b="0" noProof="1">
-                <a:solidFill>
-                  <a:srgbClr val="CCCCCC"/>
-                </a:solidFill>
-                <a:effectLst/>
-                <a:latin typeface="Consolas" panose="020B0609020204030204" pitchFamily="49" charset="0"/>
-              </a:rPr>
-              <a:t>(</a:t>
-            </a:r>
-            <a:r>
-              <a:rPr lang="en-US" altLang="zh-CN" b="0" noProof="1">
-                <a:solidFill>
-                  <a:srgbClr val="9CDCFE"/>
-                </a:solidFill>
-                <a:effectLst/>
-                <a:latin typeface="Consolas" panose="020B0609020204030204" pitchFamily="49" charset="0"/>
-              </a:rPr>
-              <a:t>self</a:t>
-            </a:r>
-            <a:r>
-              <a:rPr lang="en-US" altLang="zh-CN" b="0" noProof="1">
-                <a:solidFill>
-                  <a:srgbClr val="CCCCCC"/>
-                </a:solidFill>
-                <a:effectLst/>
-                <a:latin typeface="Consolas" panose="020B0609020204030204" pitchFamily="49" charset="0"/>
-              </a:rPr>
-              <a:t>, </a:t>
-            </a:r>
-            <a:r>
-              <a:rPr lang="en-US" altLang="zh-CN" b="0" noProof="1">
-                <a:solidFill>
-                  <a:srgbClr val="9CDCFE"/>
-                </a:solidFill>
-                <a:effectLst/>
-                <a:latin typeface="Consolas" panose="020B0609020204030204" pitchFamily="49" charset="0"/>
-              </a:rPr>
-              <a:t>files</a:t>
-            </a:r>
-            <a:r>
-              <a:rPr lang="en-US" altLang="zh-CN" b="0" noProof="1">
-                <a:solidFill>
-                  <a:srgbClr val="CCCCCC"/>
-                </a:solidFill>
-                <a:effectLst/>
-                <a:latin typeface="Consolas" panose="020B0609020204030204" pitchFamily="49" charset="0"/>
-              </a:rPr>
-              <a:t>, </a:t>
-            </a:r>
-            <a:r>
-              <a:rPr lang="en-US" altLang="zh-CN" b="0" noProof="1">
-                <a:solidFill>
-                  <a:srgbClr val="9CDCFE"/>
-                </a:solidFill>
-                <a:effectLst/>
-                <a:latin typeface="Consolas" panose="020B0609020204030204" pitchFamily="49" charset="0"/>
-              </a:rPr>
-              <a:t>std</a:t>
-            </a:r>
-            <a:r>
-              <a:rPr lang="en-US" altLang="zh-CN" b="0" noProof="1">
-                <a:solidFill>
-                  <a:srgbClr val="CCCCCC"/>
-                </a:solidFill>
-                <a:effectLst/>
-                <a:latin typeface="Consolas" panose="020B0609020204030204" pitchFamily="49" charset="0"/>
-              </a:rPr>
-              <a:t>)</a:t>
-            </a:r>
-          </a:p>
-          <a:p>
-            <a:pPr marL="0" indent="0">
-              <a:buNone/>
-            </a:pPr>
-            <a:r>
-              <a:rPr lang="en-US" altLang="zh-CN" b="0" noProof="1">
-                <a:solidFill>
-                  <a:srgbClr val="DCDCAA"/>
-                </a:solidFill>
-                <a:effectLst/>
-                <a:latin typeface="Consolas" panose="020B0609020204030204" pitchFamily="49" charset="0"/>
-              </a:rPr>
-              <a:t>read_files_sid</a:t>
-            </a:r>
-            <a:r>
-              <a:rPr lang="en-US" altLang="zh-CN" b="0" noProof="1">
-                <a:solidFill>
-                  <a:srgbClr val="CCCCCC"/>
-                </a:solidFill>
-                <a:effectLst/>
-                <a:latin typeface="Consolas" panose="020B0609020204030204" pitchFamily="49" charset="0"/>
-              </a:rPr>
-              <a:t>(</a:t>
-            </a:r>
-            <a:r>
-              <a:rPr lang="en-US" altLang="zh-CN" b="0" noProof="1">
-                <a:solidFill>
-                  <a:srgbClr val="9CDCFE"/>
-                </a:solidFill>
-                <a:effectLst/>
-                <a:latin typeface="Consolas" panose="020B0609020204030204" pitchFamily="49" charset="0"/>
-              </a:rPr>
-              <a:t>self</a:t>
-            </a:r>
-            <a:r>
-              <a:rPr lang="en-US" altLang="zh-CN" b="0" noProof="1">
-                <a:solidFill>
-                  <a:srgbClr val="CCCCCC"/>
-                </a:solidFill>
-                <a:effectLst/>
-                <a:latin typeface="Consolas" panose="020B0609020204030204" pitchFamily="49" charset="0"/>
-              </a:rPr>
-              <a:t>, </a:t>
-            </a:r>
-            <a:r>
-              <a:rPr lang="en-US" altLang="zh-CN" b="0" noProof="1">
-                <a:solidFill>
-                  <a:srgbClr val="9CDCFE"/>
-                </a:solidFill>
-                <a:effectLst/>
-                <a:latin typeface="Consolas" panose="020B0609020204030204" pitchFamily="49" charset="0"/>
-              </a:rPr>
-              <a:t>files</a:t>
-            </a:r>
-            <a:r>
-              <a:rPr lang="en-US" altLang="zh-CN" b="0" noProof="1">
-                <a:solidFill>
-                  <a:srgbClr val="CCCCCC"/>
-                </a:solidFill>
-                <a:effectLst/>
-                <a:latin typeface="Consolas" panose="020B0609020204030204" pitchFamily="49" charset="0"/>
-              </a:rPr>
-              <a:t>)</a:t>
-            </a:r>
-          </a:p>
-          <a:p>
-            <a:pPr marL="0" indent="0">
-              <a:buNone/>
-            </a:pPr>
-            <a:r>
-              <a:rPr lang="en-US" altLang="zh-CN" b="0" noProof="1">
-                <a:solidFill>
-                  <a:srgbClr val="DCDCAA"/>
-                </a:solidFill>
-                <a:effectLst/>
-                <a:latin typeface="Consolas" panose="020B0609020204030204" pitchFamily="49" charset="0"/>
-              </a:rPr>
-              <a:t>rename_files</a:t>
-            </a:r>
-            <a:r>
-              <a:rPr lang="en-US" altLang="zh-CN" b="0" noProof="1">
-                <a:solidFill>
-                  <a:srgbClr val="CCCCCC"/>
-                </a:solidFill>
-                <a:effectLst/>
-                <a:latin typeface="Consolas" panose="020B0609020204030204" pitchFamily="49" charset="0"/>
-              </a:rPr>
-              <a:t>(</a:t>
-            </a:r>
-            <a:r>
-              <a:rPr lang="en-US" altLang="zh-CN" b="0" noProof="1">
-                <a:solidFill>
-                  <a:srgbClr val="9CDCFE"/>
-                </a:solidFill>
-                <a:effectLst/>
-                <a:latin typeface="Consolas" panose="020B0609020204030204" pitchFamily="49" charset="0"/>
-              </a:rPr>
-              <a:t>self</a:t>
-            </a:r>
-            <a:r>
-              <a:rPr lang="en-US" altLang="zh-CN" b="0" noProof="1">
-                <a:solidFill>
-                  <a:srgbClr val="CCCCCC"/>
-                </a:solidFill>
-                <a:effectLst/>
-                <a:latin typeface="Consolas" panose="020B0609020204030204" pitchFamily="49" charset="0"/>
-              </a:rPr>
-              <a:t>, </a:t>
-            </a:r>
-            <a:r>
-              <a:rPr lang="en-US" altLang="zh-CN" b="0" noProof="1">
-                <a:solidFill>
-                  <a:srgbClr val="9CDCFE"/>
-                </a:solidFill>
-                <a:effectLst/>
-                <a:latin typeface="Consolas" panose="020B0609020204030204" pitchFamily="49" charset="0"/>
-              </a:rPr>
-              <a:t>abs_path</a:t>
-            </a:r>
-            <a:r>
-              <a:rPr lang="en-US" altLang="zh-CN" b="0" noProof="1">
-                <a:solidFill>
-                  <a:srgbClr val="CCCCCC"/>
-                </a:solidFill>
-                <a:effectLst/>
-                <a:latin typeface="Consolas" panose="020B0609020204030204" pitchFamily="49" charset="0"/>
-              </a:rPr>
-              <a:t>, </a:t>
-            </a:r>
-            <a:r>
-              <a:rPr lang="en-US" altLang="zh-CN" b="0" noProof="1">
-                <a:solidFill>
-                  <a:srgbClr val="9CDCFE"/>
-                </a:solidFill>
-                <a:effectLst/>
-                <a:latin typeface="Consolas" panose="020B0609020204030204" pitchFamily="49" charset="0"/>
-              </a:rPr>
-              <a:t>bug_tuple</a:t>
-            </a:r>
-            <a:r>
-              <a:rPr lang="en-US" altLang="zh-CN" b="0" noProof="1">
-                <a:solidFill>
-                  <a:srgbClr val="CCCCCC"/>
-                </a:solidFill>
-                <a:effectLst/>
-                <a:latin typeface="Consolas" panose="020B0609020204030204" pitchFamily="49" charset="0"/>
-              </a:rPr>
-              <a:t>, </a:t>
-            </a:r>
-            <a:r>
-              <a:rPr lang="en-US" altLang="zh-CN" b="0" noProof="1">
-                <a:solidFill>
-                  <a:srgbClr val="9CDCFE"/>
-                </a:solidFill>
-                <a:effectLst/>
-                <a:latin typeface="Consolas" panose="020B0609020204030204" pitchFamily="49" charset="0"/>
-              </a:rPr>
-              <a:t>s_dict</a:t>
-            </a:r>
-            <a:r>
-              <a:rPr lang="en-US" altLang="zh-CN" b="0" noProof="1">
-                <a:solidFill>
-                  <a:srgbClr val="CCCCCC"/>
-                </a:solidFill>
-                <a:effectLst/>
-                <a:latin typeface="Consolas" panose="020B0609020204030204" pitchFamily="49" charset="0"/>
-              </a:rPr>
-              <a:t>, </a:t>
-            </a:r>
-            <a:r>
-              <a:rPr lang="en-US" altLang="zh-CN" b="0" noProof="1">
-                <a:solidFill>
-                  <a:srgbClr val="9CDCFE"/>
-                </a:solidFill>
-                <a:effectLst/>
-                <a:latin typeface="Consolas" panose="020B0609020204030204" pitchFamily="49" charset="0"/>
-              </a:rPr>
-              <a:t>config</a:t>
-            </a:r>
-            <a:r>
-              <a:rPr lang="en-US" altLang="zh-CN" b="0" noProof="1">
-                <a:solidFill>
-                  <a:srgbClr val="CCCCCC"/>
-                </a:solidFill>
-                <a:effectLst/>
-                <a:latin typeface="Consolas" panose="020B0609020204030204" pitchFamily="49" charset="0"/>
-              </a:rPr>
-              <a:t>)</a:t>
-            </a:r>
+              <a:rPr lang="en-US" altLang="zh-CN" dirty="0"/>
+              <a:t>dao.py </a:t>
+            </a:r>
+            <a:r>
+              <a:rPr lang="zh-CN" altLang="en-US" dirty="0"/>
+              <a:t>数据库访问类</a:t>
+            </a:r>
+            <a:endParaRPr lang="en-US" altLang="zh-CN" dirty="0"/>
           </a:p>
         </p:txBody>
       </p:sp>
     </p:spTree>
     <p:extLst>
       <p:ext uri="{BB962C8B-B14F-4D97-AF65-F5344CB8AC3E}">
-        <p14:creationId xmlns:p14="http://schemas.microsoft.com/office/powerpoint/2010/main" val="754354924"/>
+        <p14:creationId xmlns:p14="http://schemas.microsoft.com/office/powerpoint/2010/main" val="2219158601"/>
       </p:ext>
     </p:extLst>
   </p:cSld>
@@ -8012,6 +7537,577 @@
           <p:cNvPr id="2" name="标题 1">
             <a:extLst>
               <a:ext uri="{FF2B5EF4-FFF2-40B4-BE49-F238E27FC236}">
+                <a16:creationId xmlns:a16="http://schemas.microsoft.com/office/drawing/2014/main" id="{6F4D82A6-9F67-7540-E02F-7AE4F327C413}"/>
+              </a:ext>
+            </a:extLst>
+          </p:cNvPr>
+          <p:cNvSpPr>
+            <a:spLocks noGrp="1"/>
+          </p:cNvSpPr>
+          <p:nvPr>
+            <p:ph type="title"/>
+          </p:nvPr>
+        </p:nvSpPr>
+        <p:spPr/>
+        <p:txBody>
+          <a:bodyPr/>
+          <a:lstStyle/>
+          <a:p>
+            <a:r>
+              <a:rPr lang="en-US" altLang="zh-CN" dirty="0"/>
+              <a:t>check_tools.py</a:t>
+            </a:r>
+            <a:endParaRPr lang="zh-CN" altLang="en-US" dirty="0"/>
+          </a:p>
+        </p:txBody>
+      </p:sp>
+      <p:sp>
+        <p:nvSpPr>
+          <p:cNvPr id="3" name="内容占位符 2">
+            <a:extLst>
+              <a:ext uri="{FF2B5EF4-FFF2-40B4-BE49-F238E27FC236}">
+                <a16:creationId xmlns:a16="http://schemas.microsoft.com/office/drawing/2014/main" id="{FC26F1E0-239C-A5B8-64A8-A7C0234D4248}"/>
+              </a:ext>
+            </a:extLst>
+          </p:cNvPr>
+          <p:cNvSpPr>
+            <a:spLocks noGrp="1"/>
+          </p:cNvSpPr>
+          <p:nvPr>
+            <p:ph idx="1"/>
+          </p:nvPr>
+        </p:nvSpPr>
+        <p:spPr/>
+        <p:txBody>
+          <a:bodyPr anchor="ctr"/>
+          <a:lstStyle/>
+          <a:p>
+            <a:pPr marL="0" indent="0">
+              <a:buNone/>
+            </a:pPr>
+            <a:r>
+              <a:rPr lang="en-US" altLang="zh-CN" b="0" noProof="1">
+                <a:solidFill>
+                  <a:srgbClr val="DCDCAA"/>
+                </a:solidFill>
+                <a:effectLst/>
+                <a:latin typeface="Consolas" panose="020B0609020204030204" pitchFamily="49" charset="0"/>
+              </a:rPr>
+              <a:t>get_all_files</a:t>
+            </a:r>
+            <a:r>
+              <a:rPr lang="en-US" altLang="zh-CN" b="0" noProof="1">
+                <a:solidFill>
+                  <a:srgbClr val="CCCCCC"/>
+                </a:solidFill>
+                <a:effectLst/>
+                <a:latin typeface="Consolas" panose="020B0609020204030204" pitchFamily="49" charset="0"/>
+              </a:rPr>
+              <a:t>(</a:t>
+            </a:r>
+            <a:r>
+              <a:rPr lang="en-US" altLang="zh-CN" b="0" noProof="1">
+                <a:solidFill>
+                  <a:srgbClr val="9CDCFE"/>
+                </a:solidFill>
+                <a:effectLst/>
+                <a:latin typeface="Consolas" panose="020B0609020204030204" pitchFamily="49" charset="0"/>
+              </a:rPr>
+              <a:t>self</a:t>
+            </a:r>
+            <a:r>
+              <a:rPr lang="en-US" altLang="zh-CN" b="0" noProof="1">
+                <a:solidFill>
+                  <a:srgbClr val="CCCCCC"/>
+                </a:solidFill>
+                <a:effectLst/>
+                <a:latin typeface="Consolas" panose="020B0609020204030204" pitchFamily="49" charset="0"/>
+              </a:rPr>
+              <a:t>,</a:t>
+            </a:r>
+            <a:r>
+              <a:rPr lang="en-US" altLang="zh-CN" b="0" noProof="1">
+                <a:solidFill>
+                  <a:srgbClr val="9CDCFE"/>
+                </a:solidFill>
+                <a:effectLst/>
+                <a:latin typeface="Consolas" panose="020B0609020204030204" pitchFamily="49" charset="0"/>
+              </a:rPr>
+              <a:t>abs_path</a:t>
+            </a:r>
+            <a:r>
+              <a:rPr lang="en-US" altLang="zh-CN" b="0" noProof="1">
+                <a:solidFill>
+                  <a:srgbClr val="CCCCCC"/>
+                </a:solidFill>
+                <a:effectLst/>
+                <a:latin typeface="Consolas" panose="020B0609020204030204" pitchFamily="49" charset="0"/>
+              </a:rPr>
+              <a:t>)</a:t>
+            </a:r>
+          </a:p>
+          <a:p>
+            <a:pPr marL="0" indent="0">
+              <a:buNone/>
+            </a:pPr>
+            <a:r>
+              <a:rPr lang="en-US" altLang="zh-CN" b="0" noProof="1">
+                <a:solidFill>
+                  <a:srgbClr val="DCDCAA"/>
+                </a:solidFill>
+                <a:effectLst/>
+                <a:latin typeface="Consolas" panose="020B0609020204030204" pitchFamily="49" charset="0"/>
+              </a:rPr>
+              <a:t>get_m_tuple</a:t>
+            </a:r>
+            <a:r>
+              <a:rPr lang="en-US" altLang="zh-CN" b="0" noProof="1">
+                <a:solidFill>
+                  <a:srgbClr val="CCCCCC"/>
+                </a:solidFill>
+                <a:effectLst/>
+                <a:latin typeface="Consolas" panose="020B0609020204030204" pitchFamily="49" charset="0"/>
+              </a:rPr>
+              <a:t>(</a:t>
+            </a:r>
+            <a:r>
+              <a:rPr lang="en-US" altLang="zh-CN" b="0" noProof="1">
+                <a:solidFill>
+                  <a:srgbClr val="9CDCFE"/>
+                </a:solidFill>
+                <a:effectLst/>
+                <a:latin typeface="Consolas" panose="020B0609020204030204" pitchFamily="49" charset="0"/>
+              </a:rPr>
+              <a:t>self</a:t>
+            </a:r>
+            <a:r>
+              <a:rPr lang="en-US" altLang="zh-CN" b="0" noProof="1">
+                <a:solidFill>
+                  <a:srgbClr val="CCCCCC"/>
+                </a:solidFill>
+                <a:effectLst/>
+                <a:latin typeface="Consolas" panose="020B0609020204030204" pitchFamily="49" charset="0"/>
+              </a:rPr>
+              <a:t>,</a:t>
+            </a:r>
+            <a:r>
+              <a:rPr lang="en-US" altLang="zh-CN" b="0" noProof="1">
+                <a:solidFill>
+                  <a:srgbClr val="9CDCFE"/>
+                </a:solidFill>
+                <a:effectLst/>
+                <a:latin typeface="Consolas" panose="020B0609020204030204" pitchFamily="49" charset="0"/>
+              </a:rPr>
+              <a:t>done_set</a:t>
+            </a:r>
+            <a:r>
+              <a:rPr lang="en-US" altLang="zh-CN" b="0" noProof="1">
+                <a:solidFill>
+                  <a:srgbClr val="CCCCCC"/>
+                </a:solidFill>
+                <a:effectLst/>
+                <a:latin typeface="Consolas" panose="020B0609020204030204" pitchFamily="49" charset="0"/>
+              </a:rPr>
+              <a:t>)</a:t>
+            </a:r>
+          </a:p>
+          <a:p>
+            <a:pPr marL="0" indent="0">
+              <a:buNone/>
+            </a:pPr>
+            <a:r>
+              <a:rPr lang="en-US" altLang="zh-CN" b="0" noProof="1">
+                <a:solidFill>
+                  <a:srgbClr val="DCDCAA"/>
+                </a:solidFill>
+                <a:effectLst/>
+                <a:latin typeface="Consolas" panose="020B0609020204030204" pitchFamily="49" charset="0"/>
+              </a:rPr>
+              <a:t>generate_files_list</a:t>
+            </a:r>
+            <a:r>
+              <a:rPr lang="en-US" altLang="zh-CN" b="0" noProof="1">
+                <a:solidFill>
+                  <a:srgbClr val="CCCCCC"/>
+                </a:solidFill>
+                <a:effectLst/>
+                <a:latin typeface="Consolas" panose="020B0609020204030204" pitchFamily="49" charset="0"/>
+              </a:rPr>
+              <a:t>(</a:t>
+            </a:r>
+            <a:r>
+              <a:rPr lang="en-US" altLang="zh-CN" b="0" noProof="1">
+                <a:solidFill>
+                  <a:srgbClr val="9CDCFE"/>
+                </a:solidFill>
+                <a:effectLst/>
+                <a:latin typeface="Consolas" panose="020B0609020204030204" pitchFamily="49" charset="0"/>
+              </a:rPr>
+              <a:t>self</a:t>
+            </a:r>
+            <a:r>
+              <a:rPr lang="en-US" altLang="zh-CN" b="0" noProof="1">
+                <a:solidFill>
+                  <a:srgbClr val="CCCCCC"/>
+                </a:solidFill>
+                <a:effectLst/>
+                <a:latin typeface="Consolas" panose="020B0609020204030204" pitchFamily="49" charset="0"/>
+              </a:rPr>
+              <a:t>, </a:t>
+            </a:r>
+            <a:r>
+              <a:rPr lang="en-US" altLang="zh-CN" b="0" noProof="1">
+                <a:solidFill>
+                  <a:srgbClr val="9CDCFE"/>
+                </a:solidFill>
+                <a:effectLst/>
+                <a:latin typeface="Consolas" panose="020B0609020204030204" pitchFamily="49" charset="0"/>
+              </a:rPr>
+              <a:t>s_dict</a:t>
+            </a:r>
+            <a:r>
+              <a:rPr lang="en-US" altLang="zh-CN" b="0" noProof="1">
+                <a:solidFill>
+                  <a:srgbClr val="CCCCCC"/>
+                </a:solidFill>
+                <a:effectLst/>
+                <a:latin typeface="Consolas" panose="020B0609020204030204" pitchFamily="49" charset="0"/>
+              </a:rPr>
+              <a:t>, </a:t>
+            </a:r>
+            <a:r>
+              <a:rPr lang="en-US" altLang="zh-CN" b="0" noProof="1">
+                <a:solidFill>
+                  <a:srgbClr val="9CDCFE"/>
+                </a:solidFill>
+                <a:effectLst/>
+                <a:latin typeface="Consolas" panose="020B0609020204030204" pitchFamily="49" charset="0"/>
+              </a:rPr>
+              <a:t>config</a:t>
+            </a:r>
+            <a:r>
+              <a:rPr lang="en-US" altLang="zh-CN" b="0" noProof="1">
+                <a:solidFill>
+                  <a:srgbClr val="CCCCCC"/>
+                </a:solidFill>
+                <a:effectLst/>
+                <a:latin typeface="Consolas" panose="020B0609020204030204" pitchFamily="49" charset="0"/>
+              </a:rPr>
+              <a:t>)</a:t>
+            </a:r>
+          </a:p>
+          <a:p>
+            <a:pPr marL="0" indent="0">
+              <a:buNone/>
+            </a:pPr>
+            <a:r>
+              <a:rPr lang="en-US" altLang="zh-CN" b="0" noProof="1">
+                <a:solidFill>
+                  <a:srgbClr val="DCDCAA"/>
+                </a:solidFill>
+                <a:effectLst/>
+                <a:latin typeface="Consolas" panose="020B0609020204030204" pitchFamily="49" charset="0"/>
+              </a:rPr>
+              <a:t>check_files</a:t>
+            </a:r>
+            <a:r>
+              <a:rPr lang="en-US" altLang="zh-CN" b="0" noProof="1">
+                <a:solidFill>
+                  <a:srgbClr val="CCCCCC"/>
+                </a:solidFill>
+                <a:effectLst/>
+                <a:latin typeface="Consolas" panose="020B0609020204030204" pitchFamily="49" charset="0"/>
+              </a:rPr>
+              <a:t>(</a:t>
+            </a:r>
+            <a:r>
+              <a:rPr lang="en-US" altLang="zh-CN" b="0" noProof="1">
+                <a:solidFill>
+                  <a:srgbClr val="9CDCFE"/>
+                </a:solidFill>
+                <a:effectLst/>
+                <a:latin typeface="Consolas" panose="020B0609020204030204" pitchFamily="49" charset="0"/>
+              </a:rPr>
+              <a:t>self</a:t>
+            </a:r>
+            <a:r>
+              <a:rPr lang="en-US" altLang="zh-CN" b="0" noProof="1">
+                <a:solidFill>
+                  <a:srgbClr val="CCCCCC"/>
+                </a:solidFill>
+                <a:effectLst/>
+                <a:latin typeface="Consolas" panose="020B0609020204030204" pitchFamily="49" charset="0"/>
+              </a:rPr>
+              <a:t>, </a:t>
+            </a:r>
+            <a:r>
+              <a:rPr lang="en-US" altLang="zh-CN" b="0" noProof="1">
+                <a:solidFill>
+                  <a:srgbClr val="9CDCFE"/>
+                </a:solidFill>
+                <a:effectLst/>
+                <a:latin typeface="Consolas" panose="020B0609020204030204" pitchFamily="49" charset="0"/>
+              </a:rPr>
+              <a:t>files</a:t>
+            </a:r>
+            <a:r>
+              <a:rPr lang="en-US" altLang="zh-CN" b="0" noProof="1">
+                <a:solidFill>
+                  <a:srgbClr val="CCCCCC"/>
+                </a:solidFill>
+                <a:effectLst/>
+                <a:latin typeface="Consolas" panose="020B0609020204030204" pitchFamily="49" charset="0"/>
+              </a:rPr>
+              <a:t>, </a:t>
+            </a:r>
+            <a:r>
+              <a:rPr lang="en-US" altLang="zh-CN" b="0" noProof="1">
+                <a:solidFill>
+                  <a:srgbClr val="9CDCFE"/>
+                </a:solidFill>
+                <a:effectLst/>
+                <a:latin typeface="Consolas" panose="020B0609020204030204" pitchFamily="49" charset="0"/>
+              </a:rPr>
+              <a:t>std</a:t>
+            </a:r>
+            <a:r>
+              <a:rPr lang="en-US" altLang="zh-CN" b="0" noProof="1">
+                <a:solidFill>
+                  <a:srgbClr val="CCCCCC"/>
+                </a:solidFill>
+                <a:effectLst/>
+                <a:latin typeface="Consolas" panose="020B0609020204030204" pitchFamily="49" charset="0"/>
+              </a:rPr>
+              <a:t>)</a:t>
+            </a:r>
+          </a:p>
+          <a:p>
+            <a:pPr marL="0" indent="0">
+              <a:buNone/>
+            </a:pPr>
+            <a:r>
+              <a:rPr lang="en-US" altLang="zh-CN" b="0" noProof="1">
+                <a:solidFill>
+                  <a:srgbClr val="DCDCAA"/>
+                </a:solidFill>
+                <a:effectLst/>
+                <a:latin typeface="Consolas" panose="020B0609020204030204" pitchFamily="49" charset="0"/>
+              </a:rPr>
+              <a:t>read_files_sid</a:t>
+            </a:r>
+            <a:r>
+              <a:rPr lang="en-US" altLang="zh-CN" b="0" noProof="1">
+                <a:solidFill>
+                  <a:srgbClr val="CCCCCC"/>
+                </a:solidFill>
+                <a:effectLst/>
+                <a:latin typeface="Consolas" panose="020B0609020204030204" pitchFamily="49" charset="0"/>
+              </a:rPr>
+              <a:t>(</a:t>
+            </a:r>
+            <a:r>
+              <a:rPr lang="en-US" altLang="zh-CN" b="0" noProof="1">
+                <a:solidFill>
+                  <a:srgbClr val="9CDCFE"/>
+                </a:solidFill>
+                <a:effectLst/>
+                <a:latin typeface="Consolas" panose="020B0609020204030204" pitchFamily="49" charset="0"/>
+              </a:rPr>
+              <a:t>self</a:t>
+            </a:r>
+            <a:r>
+              <a:rPr lang="en-US" altLang="zh-CN" b="0" noProof="1">
+                <a:solidFill>
+                  <a:srgbClr val="CCCCCC"/>
+                </a:solidFill>
+                <a:effectLst/>
+                <a:latin typeface="Consolas" panose="020B0609020204030204" pitchFamily="49" charset="0"/>
+              </a:rPr>
+              <a:t>, </a:t>
+            </a:r>
+            <a:r>
+              <a:rPr lang="en-US" altLang="zh-CN" b="0" noProof="1">
+                <a:solidFill>
+                  <a:srgbClr val="9CDCFE"/>
+                </a:solidFill>
+                <a:effectLst/>
+                <a:latin typeface="Consolas" panose="020B0609020204030204" pitchFamily="49" charset="0"/>
+              </a:rPr>
+              <a:t>files</a:t>
+            </a:r>
+            <a:r>
+              <a:rPr lang="en-US" altLang="zh-CN" b="0" noProof="1">
+                <a:solidFill>
+                  <a:srgbClr val="CCCCCC"/>
+                </a:solidFill>
+                <a:effectLst/>
+                <a:latin typeface="Consolas" panose="020B0609020204030204" pitchFamily="49" charset="0"/>
+              </a:rPr>
+              <a:t>)</a:t>
+            </a:r>
+          </a:p>
+          <a:p>
+            <a:pPr marL="0" indent="0">
+              <a:buNone/>
+            </a:pPr>
+            <a:r>
+              <a:rPr lang="en-US" altLang="zh-CN" b="0" noProof="1">
+                <a:solidFill>
+                  <a:srgbClr val="DCDCAA"/>
+                </a:solidFill>
+                <a:effectLst/>
+                <a:latin typeface="Consolas" panose="020B0609020204030204" pitchFamily="49" charset="0"/>
+              </a:rPr>
+              <a:t>rename_files</a:t>
+            </a:r>
+            <a:r>
+              <a:rPr lang="en-US" altLang="zh-CN" b="0" noProof="1">
+                <a:solidFill>
+                  <a:srgbClr val="CCCCCC"/>
+                </a:solidFill>
+                <a:effectLst/>
+                <a:latin typeface="Consolas" panose="020B0609020204030204" pitchFamily="49" charset="0"/>
+              </a:rPr>
+              <a:t>(</a:t>
+            </a:r>
+            <a:r>
+              <a:rPr lang="en-US" altLang="zh-CN" b="0" noProof="1">
+                <a:solidFill>
+                  <a:srgbClr val="9CDCFE"/>
+                </a:solidFill>
+                <a:effectLst/>
+                <a:latin typeface="Consolas" panose="020B0609020204030204" pitchFamily="49" charset="0"/>
+              </a:rPr>
+              <a:t>self</a:t>
+            </a:r>
+            <a:r>
+              <a:rPr lang="en-US" altLang="zh-CN" b="0" noProof="1">
+                <a:solidFill>
+                  <a:srgbClr val="CCCCCC"/>
+                </a:solidFill>
+                <a:effectLst/>
+                <a:latin typeface="Consolas" panose="020B0609020204030204" pitchFamily="49" charset="0"/>
+              </a:rPr>
+              <a:t>, </a:t>
+            </a:r>
+            <a:r>
+              <a:rPr lang="en-US" altLang="zh-CN" b="0" noProof="1">
+                <a:solidFill>
+                  <a:srgbClr val="9CDCFE"/>
+                </a:solidFill>
+                <a:effectLst/>
+                <a:latin typeface="Consolas" panose="020B0609020204030204" pitchFamily="49" charset="0"/>
+              </a:rPr>
+              <a:t>abs_path</a:t>
+            </a:r>
+            <a:r>
+              <a:rPr lang="en-US" altLang="zh-CN" b="0" noProof="1">
+                <a:solidFill>
+                  <a:srgbClr val="CCCCCC"/>
+                </a:solidFill>
+                <a:effectLst/>
+                <a:latin typeface="Consolas" panose="020B0609020204030204" pitchFamily="49" charset="0"/>
+              </a:rPr>
+              <a:t>, </a:t>
+            </a:r>
+            <a:r>
+              <a:rPr lang="en-US" altLang="zh-CN" b="0" noProof="1">
+                <a:solidFill>
+                  <a:srgbClr val="9CDCFE"/>
+                </a:solidFill>
+                <a:effectLst/>
+                <a:latin typeface="Consolas" panose="020B0609020204030204" pitchFamily="49" charset="0"/>
+              </a:rPr>
+              <a:t>bug_tuple</a:t>
+            </a:r>
+            <a:r>
+              <a:rPr lang="en-US" altLang="zh-CN" b="0" noProof="1">
+                <a:solidFill>
+                  <a:srgbClr val="CCCCCC"/>
+                </a:solidFill>
+                <a:effectLst/>
+                <a:latin typeface="Consolas" panose="020B0609020204030204" pitchFamily="49" charset="0"/>
+              </a:rPr>
+              <a:t>, </a:t>
+            </a:r>
+            <a:r>
+              <a:rPr lang="en-US" altLang="zh-CN" b="0" noProof="1">
+                <a:solidFill>
+                  <a:srgbClr val="9CDCFE"/>
+                </a:solidFill>
+                <a:effectLst/>
+                <a:latin typeface="Consolas" panose="020B0609020204030204" pitchFamily="49" charset="0"/>
+              </a:rPr>
+              <a:t>s_dict</a:t>
+            </a:r>
+            <a:r>
+              <a:rPr lang="en-US" altLang="zh-CN" b="0" noProof="1">
+                <a:solidFill>
+                  <a:srgbClr val="CCCCCC"/>
+                </a:solidFill>
+                <a:effectLst/>
+                <a:latin typeface="Consolas" panose="020B0609020204030204" pitchFamily="49" charset="0"/>
+              </a:rPr>
+              <a:t>, </a:t>
+            </a:r>
+            <a:r>
+              <a:rPr lang="en-US" altLang="zh-CN" b="0" noProof="1">
+                <a:solidFill>
+                  <a:srgbClr val="9CDCFE"/>
+                </a:solidFill>
+                <a:effectLst/>
+                <a:latin typeface="Consolas" panose="020B0609020204030204" pitchFamily="49" charset="0"/>
+              </a:rPr>
+              <a:t>config</a:t>
+            </a:r>
+            <a:r>
+              <a:rPr lang="en-US" altLang="zh-CN" b="0" noProof="1">
+                <a:solidFill>
+                  <a:srgbClr val="CCCCCC"/>
+                </a:solidFill>
+                <a:effectLst/>
+                <a:latin typeface="Consolas" panose="020B0609020204030204" pitchFamily="49" charset="0"/>
+              </a:rPr>
+              <a:t>)</a:t>
+            </a:r>
+          </a:p>
+        </p:txBody>
+      </p:sp>
+    </p:spTree>
+    <p:extLst>
+      <p:ext uri="{BB962C8B-B14F-4D97-AF65-F5344CB8AC3E}">
+        <p14:creationId xmlns:p14="http://schemas.microsoft.com/office/powerpoint/2010/main" val="754354924"/>
+      </p:ext>
+    </p:extLst>
+  </p:cSld>
+  <p:clrMapOvr>
+    <a:masterClrMapping/>
+  </p:clrMapOvr>
+</p:sld>
+</file>
+
+<file path=ppt/slides/slide12.xml><?xml version="1.0" encoding="utf-8"?>
+<p:sld xmlns:a="http://schemas.openxmlformats.org/drawingml/2006/main" xmlns:r="http://schemas.openxmlformats.org/officeDocument/2006/relationships" xmlns:p="http://schemas.openxmlformats.org/presentationml/2006/main">
+  <p:cSld>
+    <p:spTree>
+      <p:nvGrpSpPr>
+        <p:cNvPr id="1" name=""/>
+        <p:cNvGrpSpPr/>
+        <p:nvPr/>
+      </p:nvGrpSpPr>
+      <p:grpSpPr>
+        <a:xfrm>
+          <a:off x="0" y="0"/>
+          <a:ext cx="0" cy="0"/>
+          <a:chOff x="0" y="0"/>
+          <a:chExt cx="0" cy="0"/>
+        </a:xfrm>
+      </p:grpSpPr>
+      <p:sp>
+        <p:nvSpPr>
+          <p:cNvPr id="2" name="标题 1">
+            <a:extLst>
+              <a:ext uri="{FF2B5EF4-FFF2-40B4-BE49-F238E27FC236}">
                 <a16:creationId xmlns:a16="http://schemas.microsoft.com/office/drawing/2014/main" id="{B0DFF267-F9B6-3C00-8498-E73717EDA522}"/>
               </a:ext>
             </a:extLst>
@@ -8328,6 +8424,279 @@
     <p:extLst>
       <p:ext uri="{BB962C8B-B14F-4D97-AF65-F5344CB8AC3E}">
         <p14:creationId xmlns:p14="http://schemas.microsoft.com/office/powerpoint/2010/main" val="2000079138"/>
+      </p:ext>
+    </p:extLst>
+  </p:cSld>
+  <p:clrMapOvr>
+    <a:masterClrMapping/>
+  </p:clrMapOvr>
+</p:sld>
+</file>
+
+<file path=ppt/slides/slide13.xml><?xml version="1.0" encoding="utf-8"?>
+<p:sld xmlns:a="http://schemas.openxmlformats.org/drawingml/2006/main" xmlns:r="http://schemas.openxmlformats.org/officeDocument/2006/relationships" xmlns:p="http://schemas.openxmlformats.org/presentationml/2006/main">
+  <p:cSld>
+    <p:spTree>
+      <p:nvGrpSpPr>
+        <p:cNvPr id="1" name=""/>
+        <p:cNvGrpSpPr/>
+        <p:nvPr/>
+      </p:nvGrpSpPr>
+      <p:grpSpPr>
+        <a:xfrm>
+          <a:off x="0" y="0"/>
+          <a:ext cx="0" cy="0"/>
+          <a:chOff x="0" y="0"/>
+          <a:chExt cx="0" cy="0"/>
+        </a:xfrm>
+      </p:grpSpPr>
+      <p:sp>
+        <p:nvSpPr>
+          <p:cNvPr id="2" name="标题 1">
+            <a:extLst>
+              <a:ext uri="{FF2B5EF4-FFF2-40B4-BE49-F238E27FC236}">
+                <a16:creationId xmlns:a16="http://schemas.microsoft.com/office/drawing/2014/main" id="{33F1E082-44ED-9B37-8C73-9709A0203A60}"/>
+              </a:ext>
+            </a:extLst>
+          </p:cNvPr>
+          <p:cNvSpPr>
+            <a:spLocks noGrp="1"/>
+          </p:cNvSpPr>
+          <p:nvPr>
+            <p:ph type="title"/>
+          </p:nvPr>
+        </p:nvSpPr>
+        <p:spPr/>
+        <p:txBody>
+          <a:bodyPr/>
+          <a:lstStyle/>
+          <a:p>
+            <a:r>
+              <a:rPr lang="zh-CN" altLang="en-US" dirty="0"/>
+              <a:t>游标</a:t>
+            </a:r>
+          </a:p>
+        </p:txBody>
+      </p:sp>
+      <p:sp>
+        <p:nvSpPr>
+          <p:cNvPr id="3" name="内容占位符 2">
+            <a:extLst>
+              <a:ext uri="{FF2B5EF4-FFF2-40B4-BE49-F238E27FC236}">
+                <a16:creationId xmlns:a16="http://schemas.microsoft.com/office/drawing/2014/main" id="{D7E68106-011A-DAB9-2907-ADCF40ABBB81}"/>
+              </a:ext>
+            </a:extLst>
+          </p:cNvPr>
+          <p:cNvSpPr>
+            <a:spLocks noGrp="1"/>
+          </p:cNvSpPr>
+          <p:nvPr>
+            <p:ph idx="1"/>
+          </p:nvPr>
+        </p:nvSpPr>
+        <p:spPr/>
+        <p:txBody>
+          <a:bodyPr anchor="ctr"/>
+          <a:lstStyle/>
+          <a:p>
+            <a:pPr marL="0" indent="0">
+              <a:buNone/>
+            </a:pPr>
+            <a:r>
+              <a:rPr lang="en-US" altLang="zh-CN" b="0" noProof="1">
+                <a:solidFill>
+                  <a:srgbClr val="9CDCFE"/>
+                </a:solidFill>
+                <a:effectLst/>
+                <a:latin typeface="Consolas" panose="020B0609020204030204" pitchFamily="49" charset="0"/>
+              </a:rPr>
+              <a:t>con</a:t>
+            </a:r>
+            <a:r>
+              <a:rPr lang="en-US" altLang="zh-CN" b="0" noProof="1">
+                <a:solidFill>
+                  <a:srgbClr val="CCCCCC"/>
+                </a:solidFill>
+                <a:effectLst/>
+                <a:latin typeface="Consolas" panose="020B0609020204030204" pitchFamily="49" charset="0"/>
+              </a:rPr>
+              <a:t> </a:t>
+            </a:r>
+            <a:r>
+              <a:rPr lang="en-US" altLang="zh-CN" b="0" noProof="1">
+                <a:solidFill>
+                  <a:srgbClr val="D4D4D4"/>
+                </a:solidFill>
+                <a:effectLst/>
+                <a:latin typeface="Consolas" panose="020B0609020204030204" pitchFamily="49" charset="0"/>
+              </a:rPr>
+              <a:t>=</a:t>
+            </a:r>
+            <a:r>
+              <a:rPr lang="en-US" altLang="zh-CN" b="0" noProof="1">
+                <a:solidFill>
+                  <a:srgbClr val="CCCCCC"/>
+                </a:solidFill>
+                <a:effectLst/>
+                <a:latin typeface="Consolas" panose="020B0609020204030204" pitchFamily="49" charset="0"/>
+              </a:rPr>
+              <a:t> </a:t>
+            </a:r>
+            <a:r>
+              <a:rPr lang="en-US" altLang="zh-CN" b="0" noProof="1">
+                <a:solidFill>
+                  <a:srgbClr val="4EC9B0"/>
+                </a:solidFill>
+                <a:effectLst/>
+                <a:latin typeface="Consolas" panose="020B0609020204030204" pitchFamily="49" charset="0"/>
+              </a:rPr>
+              <a:t>sqlite3</a:t>
+            </a:r>
+            <a:r>
+              <a:rPr lang="en-US" altLang="zh-CN" b="0" noProof="1">
+                <a:solidFill>
+                  <a:srgbClr val="CCCCCC"/>
+                </a:solidFill>
+                <a:effectLst/>
+                <a:latin typeface="Consolas" panose="020B0609020204030204" pitchFamily="49" charset="0"/>
+              </a:rPr>
+              <a:t>.</a:t>
+            </a:r>
+            <a:r>
+              <a:rPr lang="en-US" altLang="zh-CN" b="0" noProof="1">
+                <a:solidFill>
+                  <a:srgbClr val="DCDCAA"/>
+                </a:solidFill>
+                <a:effectLst/>
+                <a:latin typeface="Consolas" panose="020B0609020204030204" pitchFamily="49" charset="0"/>
+              </a:rPr>
+              <a:t>connect</a:t>
+            </a:r>
+            <a:r>
+              <a:rPr lang="en-US" altLang="zh-CN" b="0" noProof="1">
+                <a:solidFill>
+                  <a:srgbClr val="CCCCCC"/>
+                </a:solidFill>
+                <a:effectLst/>
+                <a:latin typeface="Consolas" panose="020B0609020204030204" pitchFamily="49" charset="0"/>
+              </a:rPr>
+              <a:t>(</a:t>
+            </a:r>
+            <a:r>
+              <a:rPr lang="en-US" altLang="zh-CN" b="0" noProof="1">
+                <a:solidFill>
+                  <a:srgbClr val="9CDCFE"/>
+                </a:solidFill>
+                <a:effectLst/>
+                <a:latin typeface="Consolas" panose="020B0609020204030204" pitchFamily="49" charset="0"/>
+              </a:rPr>
+              <a:t>db_path</a:t>
+            </a:r>
+            <a:r>
+              <a:rPr lang="en-US" altLang="zh-CN" b="0" noProof="1">
+                <a:solidFill>
+                  <a:srgbClr val="CCCCCC"/>
+                </a:solidFill>
+                <a:effectLst/>
+                <a:latin typeface="Consolas" panose="020B0609020204030204" pitchFamily="49" charset="0"/>
+              </a:rPr>
+              <a:t>)</a:t>
+            </a:r>
+          </a:p>
+          <a:p>
+            <a:pPr marL="0" indent="0">
+              <a:buNone/>
+            </a:pPr>
+            <a:r>
+              <a:rPr lang="en-US" altLang="zh-CN" b="0" noProof="1">
+                <a:solidFill>
+                  <a:srgbClr val="9CDCFE"/>
+                </a:solidFill>
+                <a:effectLst/>
+                <a:latin typeface="Consolas" panose="020B0609020204030204" pitchFamily="49" charset="0"/>
+              </a:rPr>
+              <a:t>cur</a:t>
+            </a:r>
+            <a:r>
+              <a:rPr lang="en-US" altLang="zh-CN" b="0" noProof="1">
+                <a:solidFill>
+                  <a:srgbClr val="CCCCCC"/>
+                </a:solidFill>
+                <a:effectLst/>
+                <a:latin typeface="Consolas" panose="020B0609020204030204" pitchFamily="49" charset="0"/>
+              </a:rPr>
+              <a:t> </a:t>
+            </a:r>
+            <a:r>
+              <a:rPr lang="en-US" altLang="zh-CN" b="0" noProof="1">
+                <a:solidFill>
+                  <a:srgbClr val="D4D4D4"/>
+                </a:solidFill>
+                <a:effectLst/>
+                <a:latin typeface="Consolas" panose="020B0609020204030204" pitchFamily="49" charset="0"/>
+              </a:rPr>
+              <a:t>=</a:t>
+            </a:r>
+            <a:r>
+              <a:rPr lang="en-US" altLang="zh-CN" b="0" noProof="1">
+                <a:solidFill>
+                  <a:srgbClr val="CCCCCC"/>
+                </a:solidFill>
+                <a:effectLst/>
+                <a:latin typeface="Consolas" panose="020B0609020204030204" pitchFamily="49" charset="0"/>
+              </a:rPr>
+              <a:t> </a:t>
+            </a:r>
+            <a:r>
+              <a:rPr lang="en-US" altLang="zh-CN" b="0" noProof="1">
+                <a:solidFill>
+                  <a:srgbClr val="9CDCFE"/>
+                </a:solidFill>
+                <a:effectLst/>
+                <a:latin typeface="Consolas" panose="020B0609020204030204" pitchFamily="49" charset="0"/>
+              </a:rPr>
+              <a:t>con</a:t>
+            </a:r>
+            <a:r>
+              <a:rPr lang="en-US" altLang="zh-CN" b="0" noProof="1">
+                <a:solidFill>
+                  <a:srgbClr val="CCCCCC"/>
+                </a:solidFill>
+                <a:effectLst/>
+                <a:latin typeface="Consolas" panose="020B0609020204030204" pitchFamily="49" charset="0"/>
+              </a:rPr>
+              <a:t>.</a:t>
+            </a:r>
+            <a:r>
+              <a:rPr lang="en-US" altLang="zh-CN" b="0" noProof="1">
+                <a:solidFill>
+                  <a:srgbClr val="DCDCAA"/>
+                </a:solidFill>
+                <a:effectLst/>
+                <a:latin typeface="Consolas" panose="020B0609020204030204" pitchFamily="49" charset="0"/>
+              </a:rPr>
+              <a:t>cursor</a:t>
+            </a:r>
+            <a:r>
+              <a:rPr lang="en-US" altLang="zh-CN" b="0" noProof="1">
+                <a:solidFill>
+                  <a:srgbClr val="CCCCCC"/>
+                </a:solidFill>
+                <a:effectLst/>
+                <a:latin typeface="Consolas" panose="020B0609020204030204" pitchFamily="49" charset="0"/>
+              </a:rPr>
+              <a:t>()</a:t>
+            </a:r>
+          </a:p>
+          <a:p>
+            <a:endParaRPr lang="zh-CN" altLang="en-US" dirty="0"/>
+          </a:p>
+        </p:txBody>
+      </p:sp>
+    </p:spTree>
+    <p:extLst>
+      <p:ext uri="{BB962C8B-B14F-4D97-AF65-F5344CB8AC3E}">
+        <p14:creationId xmlns:p14="http://schemas.microsoft.com/office/powerpoint/2010/main" val="3109006279"/>
       </p:ext>
     </p:extLst>
   </p:cSld>
@@ -8601,7 +8970,7 @@
           <p:cNvPr id="2" name="标题 1">
             <a:extLst>
               <a:ext uri="{FF2B5EF4-FFF2-40B4-BE49-F238E27FC236}">
-                <a16:creationId xmlns:a16="http://schemas.microsoft.com/office/drawing/2014/main" id="{4FC0E49C-C146-0BBE-7F65-C533F1F5CE6E}"/>
+                <a16:creationId xmlns:a16="http://schemas.microsoft.com/office/drawing/2014/main" id="{AD505752-B770-13CF-9F5D-8FF23E531E0D}"/>
               </a:ext>
             </a:extLst>
           </p:cNvPr>
@@ -8619,19 +8988,16 @@
           <a:p>
             <a:r>
               <a:rPr lang="en-US" altLang="zh-CN" dirty="0"/>
-              <a:t>E-R</a:t>
-            </a:r>
-            <a:r>
-              <a:rPr lang="zh-CN" altLang="en-US" dirty="0"/>
-              <a:t>图</a:t>
-            </a:r>
+              <a:t>SQLite3</a:t>
+            </a:r>
+            <a:endParaRPr lang="zh-CN" altLang="en-US" dirty="0"/>
           </a:p>
         </p:txBody>
       </p:sp>
     </p:spTree>
     <p:extLst>
       <p:ext uri="{BB962C8B-B14F-4D97-AF65-F5344CB8AC3E}">
-        <p14:creationId xmlns:p14="http://schemas.microsoft.com/office/powerpoint/2010/main" val="3909478000"/>
+        <p14:creationId xmlns:p14="http://schemas.microsoft.com/office/powerpoint/2010/main" val="1352509336"/>
       </p:ext>
     </p:extLst>
   </p:cSld>
@@ -8658,45 +9024,42 @@
           <a:chExt cx="0" cy="0"/>
         </a:xfrm>
       </p:grpSpPr>
-      <p:pic>
-        <p:nvPicPr>
-          <p:cNvPr id="4" name="内容占位符 3">
-            <a:extLst>
-              <a:ext uri="{FF2B5EF4-FFF2-40B4-BE49-F238E27FC236}">
-                <a16:creationId xmlns:a16="http://schemas.microsoft.com/office/drawing/2014/main" id="{FC8DB5D5-4516-58FA-1AE2-290088A40323}"/>
-              </a:ext>
-            </a:extLst>
-          </p:cNvPr>
-          <p:cNvPicPr>
-            <a:picLocks noGrp="1" noChangeAspect="1"/>
-          </p:cNvPicPr>
-          <p:nvPr>
-            <p:ph idx="1"/>
-          </p:nvPr>
-        </p:nvPicPr>
-        <p:blipFill>
-          <a:blip r:embed="rId2">
-            <a:extLst>
-              <a:ext uri="{28A0092B-C50C-407E-A947-70E740481C1C}">
-                <a14:useLocalDpi xmlns:a14="http://schemas.microsoft.com/office/drawing/2010/main" val="0"/>
-              </a:ext>
-            </a:extLst>
-          </a:blip>
-          <a:stretch>
-            <a:fillRect/>
-          </a:stretch>
-        </p:blipFill>
-        <p:spPr>
-          <a:xfrm>
-            <a:off x="3032204" y="1070877"/>
-            <a:ext cx="6127591" cy="4716246"/>
-          </a:xfrm>
-        </p:spPr>
-      </p:pic>
+      <p:sp>
+        <p:nvSpPr>
+          <p:cNvPr id="2" name="标题 1">
+            <a:extLst>
+              <a:ext uri="{FF2B5EF4-FFF2-40B4-BE49-F238E27FC236}">
+                <a16:creationId xmlns:a16="http://schemas.microsoft.com/office/drawing/2014/main" id="{4FC0E49C-C146-0BBE-7F65-C533F1F5CE6E}"/>
+              </a:ext>
+            </a:extLst>
+          </p:cNvPr>
+          <p:cNvSpPr>
+            <a:spLocks noGrp="1"/>
+          </p:cNvSpPr>
+          <p:nvPr>
+            <p:ph type="title"/>
+          </p:nvPr>
+        </p:nvSpPr>
+        <p:spPr/>
+        <p:txBody>
+          <a:bodyPr/>
+          <a:lstStyle/>
+          <a:p>
+            <a:r>
+              <a:rPr lang="en-US" altLang="zh-CN" dirty="0"/>
+              <a:t>E-R</a:t>
+            </a:r>
+            <a:r>
+              <a:rPr lang="zh-CN" altLang="en-US" dirty="0"/>
+              <a:t>图</a:t>
+            </a:r>
+          </a:p>
+        </p:txBody>
+      </p:sp>
     </p:spTree>
     <p:extLst>
       <p:ext uri="{BB962C8B-B14F-4D97-AF65-F5344CB8AC3E}">
-        <p14:creationId xmlns:p14="http://schemas.microsoft.com/office/powerpoint/2010/main" val="2743994794"/>
+        <p14:creationId xmlns:p14="http://schemas.microsoft.com/office/powerpoint/2010/main" val="3909478000"/>
       </p:ext>
     </p:extLst>
   </p:cSld>
@@ -8723,38 +9086,45 @@
           <a:chExt cx="0" cy="0"/>
         </a:xfrm>
       </p:grpSpPr>
-      <p:sp>
-        <p:nvSpPr>
-          <p:cNvPr id="2" name="标题 1">
-            <a:extLst>
-              <a:ext uri="{FF2B5EF4-FFF2-40B4-BE49-F238E27FC236}">
-                <a16:creationId xmlns:a16="http://schemas.microsoft.com/office/drawing/2014/main" id="{22F9F018-8254-911D-CA78-F3994D4479A4}"/>
-              </a:ext>
-            </a:extLst>
-          </p:cNvPr>
-          <p:cNvSpPr>
-            <a:spLocks noGrp="1"/>
-          </p:cNvSpPr>
-          <p:nvPr>
-            <p:ph type="title"/>
-          </p:nvPr>
-        </p:nvSpPr>
-        <p:spPr/>
-        <p:txBody>
-          <a:bodyPr/>
-          <a:lstStyle/>
-          <a:p>
-            <a:r>
-              <a:rPr lang="zh-CN" altLang="en-US" dirty="0"/>
-              <a:t>数据库类图</a:t>
-            </a:r>
-          </a:p>
-        </p:txBody>
-      </p:sp>
+      <p:pic>
+        <p:nvPicPr>
+          <p:cNvPr id="4" name="内容占位符 3">
+            <a:extLst>
+              <a:ext uri="{FF2B5EF4-FFF2-40B4-BE49-F238E27FC236}">
+                <a16:creationId xmlns:a16="http://schemas.microsoft.com/office/drawing/2014/main" id="{FC8DB5D5-4516-58FA-1AE2-290088A40323}"/>
+              </a:ext>
+            </a:extLst>
+          </p:cNvPr>
+          <p:cNvPicPr>
+            <a:picLocks noGrp="1" noChangeAspect="1"/>
+          </p:cNvPicPr>
+          <p:nvPr>
+            <p:ph idx="1"/>
+          </p:nvPr>
+        </p:nvPicPr>
+        <p:blipFill>
+          <a:blip r:embed="rId2">
+            <a:extLst>
+              <a:ext uri="{28A0092B-C50C-407E-A947-70E740481C1C}">
+                <a14:useLocalDpi xmlns:a14="http://schemas.microsoft.com/office/drawing/2010/main" val="0"/>
+              </a:ext>
+            </a:extLst>
+          </a:blip>
+          <a:stretch>
+            <a:fillRect/>
+          </a:stretch>
+        </p:blipFill>
+        <p:spPr>
+          <a:xfrm>
+            <a:off x="3032204" y="1070877"/>
+            <a:ext cx="6127591" cy="4716246"/>
+          </a:xfrm>
+        </p:spPr>
+      </p:pic>
     </p:spTree>
     <p:extLst>
       <p:ext uri="{BB962C8B-B14F-4D97-AF65-F5344CB8AC3E}">
-        <p14:creationId xmlns:p14="http://schemas.microsoft.com/office/powerpoint/2010/main" val="3413683165"/>
+        <p14:creationId xmlns:p14="http://schemas.microsoft.com/office/powerpoint/2010/main" val="2743994794"/>
       </p:ext>
     </p:extLst>
   </p:cSld>
@@ -8781,45 +9151,38 @@
           <a:chExt cx="0" cy="0"/>
         </a:xfrm>
       </p:grpSpPr>
-      <p:pic>
-        <p:nvPicPr>
-          <p:cNvPr id="4" name="内容占位符 3" descr="图片包含 徽标&#10;&#10;描述已自动生成">
-            <a:extLst>
-              <a:ext uri="{FF2B5EF4-FFF2-40B4-BE49-F238E27FC236}">
-                <a16:creationId xmlns:a16="http://schemas.microsoft.com/office/drawing/2014/main" id="{273A7C5E-5B8D-80D1-959E-3D9DF5D72013}"/>
-              </a:ext>
-            </a:extLst>
-          </p:cNvPr>
-          <p:cNvPicPr>
-            <a:picLocks noGrp="1" noChangeAspect="1"/>
-          </p:cNvPicPr>
-          <p:nvPr>
-            <p:ph idx="1"/>
-          </p:nvPr>
-        </p:nvPicPr>
-        <p:blipFill>
-          <a:blip r:embed="rId2">
-            <a:extLst>
-              <a:ext uri="{28A0092B-C50C-407E-A947-70E740481C1C}">
-                <a14:useLocalDpi xmlns:a14="http://schemas.microsoft.com/office/drawing/2010/main" val="0"/>
-              </a:ext>
-            </a:extLst>
-          </a:blip>
-          <a:stretch>
-            <a:fillRect/>
-          </a:stretch>
-        </p:blipFill>
-        <p:spPr>
-          <a:xfrm>
-            <a:off x="1975256" y="1705155"/>
-            <a:ext cx="8241488" cy="3447689"/>
-          </a:xfrm>
-        </p:spPr>
-      </p:pic>
+      <p:sp>
+        <p:nvSpPr>
+          <p:cNvPr id="2" name="标题 1">
+            <a:extLst>
+              <a:ext uri="{FF2B5EF4-FFF2-40B4-BE49-F238E27FC236}">
+                <a16:creationId xmlns:a16="http://schemas.microsoft.com/office/drawing/2014/main" id="{22F9F018-8254-911D-CA78-F3994D4479A4}"/>
+              </a:ext>
+            </a:extLst>
+          </p:cNvPr>
+          <p:cNvSpPr>
+            <a:spLocks noGrp="1"/>
+          </p:cNvSpPr>
+          <p:nvPr>
+            <p:ph type="title"/>
+          </p:nvPr>
+        </p:nvSpPr>
+        <p:spPr/>
+        <p:txBody>
+          <a:bodyPr/>
+          <a:lstStyle/>
+          <a:p>
+            <a:r>
+              <a:rPr lang="zh-CN" altLang="en-US" dirty="0"/>
+              <a:t>数据库类图</a:t>
+            </a:r>
+          </a:p>
+        </p:txBody>
+      </p:sp>
     </p:spTree>
     <p:extLst>
       <p:ext uri="{BB962C8B-B14F-4D97-AF65-F5344CB8AC3E}">
-        <p14:creationId xmlns:p14="http://schemas.microsoft.com/office/powerpoint/2010/main" val="1608739250"/>
+        <p14:creationId xmlns:p14="http://schemas.microsoft.com/office/powerpoint/2010/main" val="3413683165"/>
       </p:ext>
     </p:extLst>
   </p:cSld>
@@ -8846,39 +9209,45 @@
           <a:chExt cx="0" cy="0"/>
         </a:xfrm>
       </p:grpSpPr>
-      <p:sp>
-        <p:nvSpPr>
-          <p:cNvPr id="2" name="标题 1">
-            <a:extLst>
-              <a:ext uri="{FF2B5EF4-FFF2-40B4-BE49-F238E27FC236}">
-                <a16:creationId xmlns:a16="http://schemas.microsoft.com/office/drawing/2014/main" id="{374E0ADF-544E-F82E-FFB3-44268F1BBFD3}"/>
-              </a:ext>
-            </a:extLst>
-          </p:cNvPr>
-          <p:cNvSpPr>
-            <a:spLocks noGrp="1"/>
-          </p:cNvSpPr>
-          <p:nvPr>
-            <p:ph type="title"/>
-          </p:nvPr>
-        </p:nvSpPr>
-        <p:spPr/>
-        <p:txBody>
-          <a:bodyPr/>
-          <a:lstStyle/>
-          <a:p>
-            <a:r>
-              <a:rPr lang="en-US" altLang="zh-CN" dirty="0"/>
-              <a:t>Python</a:t>
-            </a:r>
-            <a:endParaRPr lang="zh-CN" altLang="en-US" dirty="0"/>
-          </a:p>
-        </p:txBody>
-      </p:sp>
+      <p:pic>
+        <p:nvPicPr>
+          <p:cNvPr id="4" name="内容占位符 3" descr="图片包含 徽标&#10;&#10;描述已自动生成">
+            <a:extLst>
+              <a:ext uri="{FF2B5EF4-FFF2-40B4-BE49-F238E27FC236}">
+                <a16:creationId xmlns:a16="http://schemas.microsoft.com/office/drawing/2014/main" id="{273A7C5E-5B8D-80D1-959E-3D9DF5D72013}"/>
+              </a:ext>
+            </a:extLst>
+          </p:cNvPr>
+          <p:cNvPicPr>
+            <a:picLocks noGrp="1" noChangeAspect="1"/>
+          </p:cNvPicPr>
+          <p:nvPr>
+            <p:ph idx="1"/>
+          </p:nvPr>
+        </p:nvPicPr>
+        <p:blipFill>
+          <a:blip r:embed="rId2">
+            <a:extLst>
+              <a:ext uri="{28A0092B-C50C-407E-A947-70E740481C1C}">
+                <a14:useLocalDpi xmlns:a14="http://schemas.microsoft.com/office/drawing/2010/main" val="0"/>
+              </a:ext>
+            </a:extLst>
+          </a:blip>
+          <a:stretch>
+            <a:fillRect/>
+          </a:stretch>
+        </p:blipFill>
+        <p:spPr>
+          <a:xfrm>
+            <a:off x="1975256" y="1705155"/>
+            <a:ext cx="8241488" cy="3447689"/>
+          </a:xfrm>
+        </p:spPr>
+      </p:pic>
     </p:spTree>
     <p:extLst>
       <p:ext uri="{BB962C8B-B14F-4D97-AF65-F5344CB8AC3E}">
-        <p14:creationId xmlns:p14="http://schemas.microsoft.com/office/powerpoint/2010/main" val="3714785301"/>
+        <p14:creationId xmlns:p14="http://schemas.microsoft.com/office/powerpoint/2010/main" val="1608739250"/>
       </p:ext>
     </p:extLst>
   </p:cSld>
@@ -8907,72 +9276,37 @@
       </p:grpSpPr>
       <p:sp>
         <p:nvSpPr>
-          <p:cNvPr id="2" name="内容占位符 1">
-            <a:extLst>
-              <a:ext uri="{FF2B5EF4-FFF2-40B4-BE49-F238E27FC236}">
-                <a16:creationId xmlns:a16="http://schemas.microsoft.com/office/drawing/2014/main" id="{7B65B29F-679B-25B5-205D-31A7BF4C0ADB}"/>
-              </a:ext>
-            </a:extLst>
-          </p:cNvPr>
-          <p:cNvSpPr>
-            <a:spLocks noGrp="1"/>
-          </p:cNvSpPr>
-          <p:nvPr>
-            <p:ph idx="1"/>
-          </p:nvPr>
-        </p:nvSpPr>
-        <p:spPr/>
-        <p:txBody>
-          <a:bodyPr/>
-          <a:lstStyle/>
-          <a:p>
-            <a:pPr marL="0" indent="0">
-              <a:buNone/>
-            </a:pPr>
+          <p:cNvPr id="2" name="标题 1">
+            <a:extLst>
+              <a:ext uri="{FF2B5EF4-FFF2-40B4-BE49-F238E27FC236}">
+                <a16:creationId xmlns:a16="http://schemas.microsoft.com/office/drawing/2014/main" id="{374E0ADF-544E-F82E-FFB3-44268F1BBFD3}"/>
+              </a:ext>
+            </a:extLst>
+          </p:cNvPr>
+          <p:cNvSpPr>
+            <a:spLocks noGrp="1"/>
+          </p:cNvSpPr>
+          <p:nvPr>
+            <p:ph type="title"/>
+          </p:nvPr>
+        </p:nvSpPr>
+        <p:spPr/>
+        <p:txBody>
+          <a:bodyPr/>
+          <a:lstStyle/>
+          <a:p>
             <a:r>
               <a:rPr lang="en-US" altLang="zh-CN" dirty="0"/>
-              <a:t>app.py </a:t>
-            </a:r>
-            <a:r>
-              <a:rPr lang="zh-CN" altLang="en-US" dirty="0"/>
-              <a:t>程序入口</a:t>
-            </a:r>
-            <a:endParaRPr lang="en-US" altLang="zh-CN" dirty="0"/>
-          </a:p>
-          <a:p>
-            <a:pPr marL="0" indent="0">
-              <a:buNone/>
-            </a:pPr>
-            <a:r>
-              <a:rPr lang="en-US" altLang="zh-CN" dirty="0"/>
-              <a:t>check_tools.py </a:t>
-            </a:r>
-            <a:r>
-              <a:rPr lang="zh-CN" altLang="en-US" dirty="0"/>
-              <a:t>工具类</a:t>
-            </a:r>
-            <a:endParaRPr lang="en-US" altLang="zh-CN" dirty="0"/>
-          </a:p>
-          <a:p>
-            <a:pPr marL="0" indent="0">
-              <a:buNone/>
-            </a:pPr>
-            <a:r>
-              <a:rPr lang="en-US" altLang="zh-CN" dirty="0"/>
-              <a:t>dao.py </a:t>
-            </a:r>
-            <a:r>
-              <a:rPr lang="zh-CN" altLang="en-US" dirty="0"/>
-              <a:t>数据库访问类</a:t>
-            </a:r>
-            <a:endParaRPr lang="en-US" altLang="zh-CN" dirty="0"/>
+              <a:t>Python</a:t>
+            </a:r>
+            <a:endParaRPr lang="zh-CN" altLang="en-US" dirty="0"/>
           </a:p>
         </p:txBody>
       </p:sp>
     </p:spTree>
     <p:extLst>
       <p:ext uri="{BB962C8B-B14F-4D97-AF65-F5344CB8AC3E}">
-        <p14:creationId xmlns:p14="http://schemas.microsoft.com/office/powerpoint/2010/main" val="2219158601"/>
+        <p14:creationId xmlns:p14="http://schemas.microsoft.com/office/powerpoint/2010/main" val="3714785301"/>
       </p:ext>
     </p:extLst>
   </p:cSld>
